--- a/week2/Analytics.pptx
+++ b/week2/Analytics.pptx
@@ -5,7 +5,7 @@
     <p:sldMasterId id="2147483648" r:id="rId1"/>
   </p:sldMasterIdLst>
   <p:notesMasterIdLst>
-    <p:notesMasterId r:id="rId13"/>
+    <p:notesMasterId r:id="rId12"/>
   </p:notesMasterIdLst>
   <p:sldIdLst>
     <p:sldId id="256" r:id="rId2"/>
@@ -17,8 +17,7 @@
     <p:sldId id="270" r:id="rId8"/>
     <p:sldId id="269" r:id="rId9"/>
     <p:sldId id="257" r:id="rId10"/>
-    <p:sldId id="271" r:id="rId11"/>
-    <p:sldId id="272" r:id="rId12"/>
+    <p:sldId id="272" r:id="rId11"/>
   </p:sldIdLst>
   <p:sldSz cx="9144000" cy="6858000" type="screen4x3"/>
   <p:notesSz cx="6858000" cy="9144000"/>
@@ -202,7 +201,7 @@
           <a:p>
             <a:fld id="{AA31EFAD-1D08-944E-A7DC-1DD4DF105740}" type="datetimeFigureOut">
               <a:rPr lang="en-US" smtClean="0"/>
-              <a:t>2/12/13</a:t>
+              <a:t>4/8/13</a:t>
             </a:fld>
             <a:endParaRPr lang="en-US"/>
           </a:p>
@@ -1155,7 +1154,7 @@
           <a:p>
             <a:fld id="{BE220FD4-93CD-7244-A23F-442068751558}" type="datetimeFigureOut">
               <a:rPr lang="en-US" smtClean="0"/>
-              <a:t>2/12/13</a:t>
+              <a:t>4/8/13</a:t>
             </a:fld>
             <a:endParaRPr lang="en-US"/>
           </a:p>
@@ -1325,7 +1324,7 @@
           <a:p>
             <a:fld id="{BE220FD4-93CD-7244-A23F-442068751558}" type="datetimeFigureOut">
               <a:rPr lang="en-US" smtClean="0"/>
-              <a:t>2/12/13</a:t>
+              <a:t>4/8/13</a:t>
             </a:fld>
             <a:endParaRPr lang="en-US"/>
           </a:p>
@@ -1505,7 +1504,7 @@
           <a:p>
             <a:fld id="{BE220FD4-93CD-7244-A23F-442068751558}" type="datetimeFigureOut">
               <a:rPr lang="en-US" smtClean="0"/>
-              <a:t>2/12/13</a:t>
+              <a:t>4/8/13</a:t>
             </a:fld>
             <a:endParaRPr lang="en-US"/>
           </a:p>
@@ -1675,7 +1674,7 @@
           <a:p>
             <a:fld id="{BE220FD4-93CD-7244-A23F-442068751558}" type="datetimeFigureOut">
               <a:rPr lang="en-US" smtClean="0"/>
-              <a:t>2/12/13</a:t>
+              <a:t>4/8/13</a:t>
             </a:fld>
             <a:endParaRPr lang="en-US"/>
           </a:p>
@@ -1921,7 +1920,7 @@
           <a:p>
             <a:fld id="{BE220FD4-93CD-7244-A23F-442068751558}" type="datetimeFigureOut">
               <a:rPr lang="en-US" smtClean="0"/>
-              <a:t>2/12/13</a:t>
+              <a:t>4/8/13</a:t>
             </a:fld>
             <a:endParaRPr lang="en-US"/>
           </a:p>
@@ -2209,7 +2208,7 @@
           <a:p>
             <a:fld id="{BE220FD4-93CD-7244-A23F-442068751558}" type="datetimeFigureOut">
               <a:rPr lang="en-US" smtClean="0"/>
-              <a:t>2/12/13</a:t>
+              <a:t>4/8/13</a:t>
             </a:fld>
             <a:endParaRPr lang="en-US"/>
           </a:p>
@@ -2631,7 +2630,7 @@
           <a:p>
             <a:fld id="{BE220FD4-93CD-7244-A23F-442068751558}" type="datetimeFigureOut">
               <a:rPr lang="en-US" smtClean="0"/>
-              <a:t>2/12/13</a:t>
+              <a:t>4/8/13</a:t>
             </a:fld>
             <a:endParaRPr lang="en-US"/>
           </a:p>
@@ -2749,7 +2748,7 @@
           <a:p>
             <a:fld id="{BE220FD4-93CD-7244-A23F-442068751558}" type="datetimeFigureOut">
               <a:rPr lang="en-US" smtClean="0"/>
-              <a:t>2/12/13</a:t>
+              <a:t>4/8/13</a:t>
             </a:fld>
             <a:endParaRPr lang="en-US"/>
           </a:p>
@@ -2844,7 +2843,7 @@
           <a:p>
             <a:fld id="{BE220FD4-93CD-7244-A23F-442068751558}" type="datetimeFigureOut">
               <a:rPr lang="en-US" smtClean="0"/>
-              <a:t>2/12/13</a:t>
+              <a:t>4/8/13</a:t>
             </a:fld>
             <a:endParaRPr lang="en-US"/>
           </a:p>
@@ -3121,7 +3120,7 @@
           <a:p>
             <a:fld id="{BE220FD4-93CD-7244-A23F-442068751558}" type="datetimeFigureOut">
               <a:rPr lang="en-US" smtClean="0"/>
-              <a:t>2/12/13</a:t>
+              <a:t>4/8/13</a:t>
             </a:fld>
             <a:endParaRPr lang="en-US"/>
           </a:p>
@@ -3374,7 +3373,7 @@
           <a:p>
             <a:fld id="{BE220FD4-93CD-7244-A23F-442068751558}" type="datetimeFigureOut">
               <a:rPr lang="en-US" smtClean="0"/>
-              <a:t>2/12/13</a:t>
+              <a:t>4/8/13</a:t>
             </a:fld>
             <a:endParaRPr lang="en-US"/>
           </a:p>
@@ -3587,7 +3586,7 @@
           <a:p>
             <a:fld id="{BE220FD4-93CD-7244-A23F-442068751558}" type="datetimeFigureOut">
               <a:rPr lang="en-US" smtClean="0"/>
-              <a:t>2/12/13</a:t>
+              <a:t>4/8/13</a:t>
             </a:fld>
             <a:endParaRPr lang="en-US"/>
           </a:p>
@@ -3979,7 +3978,11 @@
           <a:p>
             <a:r>
               <a:rPr lang="en-US" dirty="0" smtClean="0"/>
-              <a:t>Twitter Analytics</a:t>
+              <a:t>Twitter </a:t>
+            </a:r>
+            <a:r>
+              <a:rPr lang="en-US" dirty="0" smtClean="0"/>
+              <a:t>Analytics: The Sample of the London Olympics</a:t>
             </a:r>
             <a:endParaRPr lang="en-US" dirty="0"/>
           </a:p>
@@ -4002,7 +4005,7 @@
           <a:p>
             <a:r>
               <a:rPr lang="en-US" dirty="0" smtClean="0"/>
-              <a:t>February 12, 2013</a:t>
+              <a:t>Week Two – INFO 480 – Introduction to Data Science</a:t>
             </a:r>
             <a:endParaRPr lang="en-US" dirty="0"/>
           </a:p>
@@ -4052,17 +4055,17 @@
             <a:spLocks noGrp="1"/>
           </p:cNvSpPr>
           <p:nvPr>
-            <p:ph type="ctrTitle"/>
-          </p:nvPr>
-        </p:nvSpPr>
-        <p:spPr/>
-        <p:txBody>
-          <a:bodyPr/>
-          <a:lstStyle/>
-          <a:p>
-            <a:r>
-              <a:rPr lang="en-US" dirty="0" smtClean="0"/>
-              <a:t>And now for the fun…</a:t>
+            <p:ph type="title"/>
+          </p:nvPr>
+        </p:nvSpPr>
+        <p:spPr/>
+        <p:txBody>
+          <a:bodyPr/>
+          <a:lstStyle/>
+          <a:p>
+            <a:r>
+              <a:rPr lang="en-US" dirty="0" smtClean="0"/>
+              <a:t>The Assignment: Week Two</a:t>
             </a:r>
             <a:endParaRPr lang="en-US" dirty="0"/>
           </a:p>
@@ -4070,19 +4073,89 @@
       </p:sp>
       <p:sp>
         <p:nvSpPr>
-          <p:cNvPr id="3" name="Subtitle 2"/>
-          <p:cNvSpPr>
-            <a:spLocks noGrp="1"/>
-          </p:cNvSpPr>
-          <p:nvPr>
-            <p:ph type="subTitle" idx="1"/>
-          </p:nvPr>
-        </p:nvSpPr>
-        <p:spPr/>
-        <p:txBody>
-          <a:bodyPr/>
-          <a:lstStyle/>
-          <a:p>
+          <p:cNvPr id="3" name="Content Placeholder 2"/>
+          <p:cNvSpPr>
+            <a:spLocks noGrp="1"/>
+          </p:cNvSpPr>
+          <p:nvPr>
+            <p:ph idx="1"/>
+          </p:nvPr>
+        </p:nvSpPr>
+        <p:spPr/>
+        <p:txBody>
+          <a:bodyPr>
+            <a:normAutofit fontScale="55000" lnSpcReduction="20000"/>
+          </a:bodyPr>
+          <a:lstStyle/>
+          <a:p>
+            <a:r>
+              <a:rPr lang="en-US" dirty="0" smtClean="0"/>
+              <a:t>This is first and foremost an analysis assignment and an assignment focused on familiarizing yourself with what R can help you with.  A full, working sample is provided on </a:t>
+            </a:r>
+            <a:r>
+              <a:rPr lang="en-US" dirty="0" err="1" smtClean="0"/>
+              <a:t>GitHub</a:t>
+            </a:r>
+            <a:r>
+              <a:rPr lang="en-US" dirty="0" smtClean="0"/>
+              <a:t>.  If you download the Full Zip File, you will have access to the data under the “Week2” directory”</a:t>
+            </a:r>
+          </a:p>
+          <a:p>
+            <a:pPr lvl="1"/>
+            <a:r>
+              <a:rPr lang="en-US" dirty="0" smtClean="0"/>
+              <a:t>Set your working directory to “Week2”</a:t>
+            </a:r>
+          </a:p>
+          <a:p>
+            <a:pPr lvl="1"/>
+            <a:r>
+              <a:rPr lang="en-US" dirty="0" smtClean="0"/>
+              <a:t>Run “</a:t>
+            </a:r>
+            <a:r>
+              <a:rPr lang="en-US" dirty="0" err="1" smtClean="0"/>
+              <a:t>Complete.R</a:t>
+            </a:r>
+            <a:r>
+              <a:rPr lang="en-US" dirty="0" smtClean="0"/>
+              <a:t>”.  Examine the comments and the resulting files to familiarize yourself with a Description of the data</a:t>
+            </a:r>
+          </a:p>
+          <a:p>
+            <a:r>
+              <a:rPr lang="en-US" dirty="0" smtClean="0"/>
+              <a:t>Analysis Questions.  Write up a short essay with tables or graphs if needed to describe how you would:</a:t>
+            </a:r>
+          </a:p>
+          <a:p>
+            <a:pPr lvl="1"/>
+            <a:r>
+              <a:rPr lang="en-US" dirty="0" smtClean="0"/>
+              <a:t>Build a network using the scripts from week1 against the mention connections?  Reply-To connections? In this sample data.  What transformations are required? How would you filter the data?  Use the actual data to ground your thinking.  Feel free to actually write or modify the R code samples from the first two weeks to experiment.  Some of you will be more comfortable doing this; some will be more comfortable addressing the question conceptually. This is OK.</a:t>
+            </a:r>
+          </a:p>
+          <a:p>
+            <a:pPr lvl="1"/>
+            <a:r>
+              <a:rPr lang="en-US" dirty="0" smtClean="0"/>
+              <a:t>Submit any issues you encounter to </a:t>
+            </a:r>
+            <a:r>
+              <a:rPr lang="en-US" dirty="0" err="1" smtClean="0"/>
+              <a:t>GitHub</a:t>
+            </a:r>
+            <a:r>
+              <a:rPr lang="en-US" dirty="0" smtClean="0"/>
+              <a:t> under this repository</a:t>
+            </a:r>
+          </a:p>
+          <a:p>
+            <a:r>
+              <a:rPr lang="en-US" dirty="0" smtClean="0"/>
+              <a:t>I will open a discussion board under our Blackboard Shell regarding the three papers you were assigned to read last week.  I expect you to answer the questions and respond to your classmates.  Your participation does not need to be long, just thoughtful.</a:t>
+            </a:r>
             <a:endParaRPr lang="en-US" dirty="0"/>
           </a:p>
         </p:txBody>
@@ -4090,102 +4163,7 @@
     </p:spTree>
     <p:extLst>
       <p:ext uri="{BB962C8B-B14F-4D97-AF65-F5344CB8AC3E}">
-        <p14:creationId xmlns:p14="http://schemas.microsoft.com/office/powerpoint/2010/main" val="163130115"/>
-      </p:ext>
-    </p:extLst>
-  </p:cSld>
-  <p:clrMapOvr>
-    <a:masterClrMapping/>
-  </p:clrMapOvr>
-  <p:timing>
-    <p:tnLst>
-      <p:par>
-        <p:cTn xmlns:p14="http://schemas.microsoft.com/office/powerpoint/2010/main" id="1" dur="indefinite" restart="never" nodeType="tmRoot"/>
-      </p:par>
-    </p:tnLst>
-  </p:timing>
-</p:sld>
-</file>
-
-<file path=ppt/slides/slide11.xml><?xml version="1.0" encoding="utf-8"?>
-<p:sld xmlns:a="http://schemas.openxmlformats.org/drawingml/2006/main" xmlns:r="http://schemas.openxmlformats.org/officeDocument/2006/relationships" xmlns:p="http://schemas.openxmlformats.org/presentationml/2006/main">
-  <p:cSld>
-    <p:spTree>
-      <p:nvGrpSpPr>
-        <p:cNvPr id="1" name=""/>
-        <p:cNvGrpSpPr/>
-        <p:nvPr/>
-      </p:nvGrpSpPr>
-      <p:grpSpPr>
-        <a:xfrm>
-          <a:off x="0" y="0"/>
-          <a:ext cx="0" cy="0"/>
-          <a:chOff x="0" y="0"/>
-          <a:chExt cx="0" cy="0"/>
-        </a:xfrm>
-      </p:grpSpPr>
-      <p:sp>
-        <p:nvSpPr>
-          <p:cNvPr id="2" name="Title 1"/>
-          <p:cNvSpPr>
-            <a:spLocks noGrp="1"/>
-          </p:cNvSpPr>
-          <p:nvPr>
-            <p:ph type="title"/>
-          </p:nvPr>
-        </p:nvSpPr>
-        <p:spPr/>
-        <p:txBody>
-          <a:bodyPr/>
-          <a:lstStyle/>
-          <a:p>
-            <a:r>
-              <a:rPr lang="en-US" dirty="0" smtClean="0"/>
-              <a:t>Other Data</a:t>
-            </a:r>
-            <a:endParaRPr lang="en-US" dirty="0"/>
-          </a:p>
-        </p:txBody>
-      </p:sp>
-      <p:sp>
-        <p:nvSpPr>
-          <p:cNvPr id="3" name="Content Placeholder 2"/>
-          <p:cNvSpPr>
-            <a:spLocks noGrp="1"/>
-          </p:cNvSpPr>
-          <p:nvPr>
-            <p:ph idx="1"/>
-          </p:nvPr>
-        </p:nvSpPr>
-        <p:spPr/>
-        <p:txBody>
-          <a:bodyPr/>
-          <a:lstStyle/>
-          <a:p>
-            <a:r>
-              <a:rPr lang="en-US" dirty="0">
-                <a:hlinkClick r:id="rId2"/>
-              </a:rPr>
-              <a:t>http://tzinfo.groupinformatics.org/</a:t>
-            </a:r>
-            <a:r>
-              <a:rPr lang="en-US" dirty="0" smtClean="0">
-                <a:hlinkClick r:id="rId2"/>
-              </a:rPr>
-              <a:t>data.tar.gz</a:t>
-            </a:r>
-            <a:r>
-              <a:rPr lang="en-US" smtClean="0"/>
-              <a:t> </a:t>
-            </a:r>
-            <a:endParaRPr lang="en-US"/>
-          </a:p>
-        </p:txBody>
-      </p:sp>
-    </p:spTree>
-    <p:extLst>
-      <p:ext uri="{BB962C8B-B14F-4D97-AF65-F5344CB8AC3E}">
-        <p14:creationId xmlns:p14="http://schemas.microsoft.com/office/powerpoint/2010/main" val="1249941929"/>
+        <p14:creationId xmlns:p14="http://schemas.microsoft.com/office/powerpoint/2010/main" val="549070820"/>
       </p:ext>
     </p:extLst>
   </p:cSld>
@@ -4225,13 +4203,17 @@
         <p:spPr/>
         <p:txBody>
           <a:bodyPr>
-            <a:normAutofit/>
+            <a:normAutofit fontScale="90000"/>
           </a:bodyPr>
           <a:lstStyle/>
           <a:p>
             <a:r>
-              <a:rPr lang="en-US" dirty="0" smtClean="0"/>
-              <a:t>Technological Context - Twitter</a:t>
+              <a:rPr lang="en-US" dirty="0" err="1" smtClean="0"/>
+              <a:t>Undersanding</a:t>
+            </a:r>
+            <a:r>
+              <a:rPr lang="en-US" dirty="0" smtClean="0"/>
+              <a:t> What’s in Twitter Data</a:t>
             </a:r>
             <a:endParaRPr lang="en-US" dirty="0"/>
           </a:p>
@@ -5588,12 +5570,12 @@
           <a:graphicData uri="http://schemas.openxmlformats.org/presentationml/2006/ole">
             <mc:AlternateContent xmlns:mc="http://schemas.openxmlformats.org/markup-compatibility/2006">
               <mc:Choice xmlns:v="urn:schemas-microsoft-com:vml" Requires="v">
-                <p:oleObj spid="_x0000_s1037" name="Document" r:id="rId4" imgW="6096000" imgH="4114800" progId="Word.Document.12">
+                <p:oleObj spid="_x0000_s1042" name="Document" r:id="rId3" imgW="6096000" imgH="4114800" progId="Word.Document.12">
                   <p:embed/>
                 </p:oleObj>
               </mc:Choice>
               <mc:Fallback>
-                <p:oleObj name="Document" r:id="rId4" imgW="6096000" imgH="4114800" progId="Word.Document.12">
+                <p:oleObj name="Document" r:id="rId3" imgW="6096000" imgH="4114800" progId="Word.Document.12">
                   <p:embed/>
                   <p:pic>
                     <p:nvPicPr>
@@ -5602,7 +5584,7 @@
                       <p:nvPr/>
                     </p:nvPicPr>
                     <p:blipFill>
-                      <a:blip r:embed="rId5"/>
+                      <a:blip r:embed="rId4"/>
                       <a:stretch>
                         <a:fillRect/>
                       </a:stretch>

--- a/week2/Analytics.pptx
+++ b/week2/Analytics.pptx
@@ -201,7 +201,7 @@
           <a:p>
             <a:fld id="{AA31EFAD-1D08-944E-A7DC-1DD4DF105740}" type="datetimeFigureOut">
               <a:rPr lang="en-US" smtClean="0"/>
-              <a:t>4/8/13</a:t>
+              <a:t>4/9/13</a:t>
             </a:fld>
             <a:endParaRPr lang="en-US"/>
           </a:p>
@@ -1154,7 +1154,7 @@
           <a:p>
             <a:fld id="{BE220FD4-93CD-7244-A23F-442068751558}" type="datetimeFigureOut">
               <a:rPr lang="en-US" smtClean="0"/>
-              <a:t>4/8/13</a:t>
+              <a:t>4/9/13</a:t>
             </a:fld>
             <a:endParaRPr lang="en-US"/>
           </a:p>
@@ -1324,7 +1324,7 @@
           <a:p>
             <a:fld id="{BE220FD4-93CD-7244-A23F-442068751558}" type="datetimeFigureOut">
               <a:rPr lang="en-US" smtClean="0"/>
-              <a:t>4/8/13</a:t>
+              <a:t>4/9/13</a:t>
             </a:fld>
             <a:endParaRPr lang="en-US"/>
           </a:p>
@@ -1504,7 +1504,7 @@
           <a:p>
             <a:fld id="{BE220FD4-93CD-7244-A23F-442068751558}" type="datetimeFigureOut">
               <a:rPr lang="en-US" smtClean="0"/>
-              <a:t>4/8/13</a:t>
+              <a:t>4/9/13</a:t>
             </a:fld>
             <a:endParaRPr lang="en-US"/>
           </a:p>
@@ -1674,7 +1674,7 @@
           <a:p>
             <a:fld id="{BE220FD4-93CD-7244-A23F-442068751558}" type="datetimeFigureOut">
               <a:rPr lang="en-US" smtClean="0"/>
-              <a:t>4/8/13</a:t>
+              <a:t>4/9/13</a:t>
             </a:fld>
             <a:endParaRPr lang="en-US"/>
           </a:p>
@@ -1920,7 +1920,7 @@
           <a:p>
             <a:fld id="{BE220FD4-93CD-7244-A23F-442068751558}" type="datetimeFigureOut">
               <a:rPr lang="en-US" smtClean="0"/>
-              <a:t>4/8/13</a:t>
+              <a:t>4/9/13</a:t>
             </a:fld>
             <a:endParaRPr lang="en-US"/>
           </a:p>
@@ -2208,7 +2208,7 @@
           <a:p>
             <a:fld id="{BE220FD4-93CD-7244-A23F-442068751558}" type="datetimeFigureOut">
               <a:rPr lang="en-US" smtClean="0"/>
-              <a:t>4/8/13</a:t>
+              <a:t>4/9/13</a:t>
             </a:fld>
             <a:endParaRPr lang="en-US"/>
           </a:p>
@@ -2630,7 +2630,7 @@
           <a:p>
             <a:fld id="{BE220FD4-93CD-7244-A23F-442068751558}" type="datetimeFigureOut">
               <a:rPr lang="en-US" smtClean="0"/>
-              <a:t>4/8/13</a:t>
+              <a:t>4/9/13</a:t>
             </a:fld>
             <a:endParaRPr lang="en-US"/>
           </a:p>
@@ -2748,7 +2748,7 @@
           <a:p>
             <a:fld id="{BE220FD4-93CD-7244-A23F-442068751558}" type="datetimeFigureOut">
               <a:rPr lang="en-US" smtClean="0"/>
-              <a:t>4/8/13</a:t>
+              <a:t>4/9/13</a:t>
             </a:fld>
             <a:endParaRPr lang="en-US"/>
           </a:p>
@@ -2843,7 +2843,7 @@
           <a:p>
             <a:fld id="{BE220FD4-93CD-7244-A23F-442068751558}" type="datetimeFigureOut">
               <a:rPr lang="en-US" smtClean="0"/>
-              <a:t>4/8/13</a:t>
+              <a:t>4/9/13</a:t>
             </a:fld>
             <a:endParaRPr lang="en-US"/>
           </a:p>
@@ -3120,7 +3120,7 @@
           <a:p>
             <a:fld id="{BE220FD4-93CD-7244-A23F-442068751558}" type="datetimeFigureOut">
               <a:rPr lang="en-US" smtClean="0"/>
-              <a:t>4/8/13</a:t>
+              <a:t>4/9/13</a:t>
             </a:fld>
             <a:endParaRPr lang="en-US"/>
           </a:p>
@@ -3373,7 +3373,7 @@
           <a:p>
             <a:fld id="{BE220FD4-93CD-7244-A23F-442068751558}" type="datetimeFigureOut">
               <a:rPr lang="en-US" smtClean="0"/>
-              <a:t>4/8/13</a:t>
+              <a:t>4/9/13</a:t>
             </a:fld>
             <a:endParaRPr lang="en-US"/>
           </a:p>
@@ -3586,7 +3586,7 @@
           <a:p>
             <a:fld id="{BE220FD4-93CD-7244-A23F-442068751558}" type="datetimeFigureOut">
               <a:rPr lang="en-US" smtClean="0"/>
-              <a:t>4/8/13</a:t>
+              <a:t>4/9/13</a:t>
             </a:fld>
             <a:endParaRPr lang="en-US"/>
           </a:p>
@@ -3978,11 +3978,7 @@
           <a:p>
             <a:r>
               <a:rPr lang="en-US" dirty="0" smtClean="0"/>
-              <a:t>Twitter </a:t>
-            </a:r>
-            <a:r>
-              <a:rPr lang="en-US" dirty="0" smtClean="0"/>
-              <a:t>Analytics: The Sample of the London Olympics</a:t>
+              <a:t>Twitter Analytics: The Sample of the London Olympics</a:t>
             </a:r>
             <a:endParaRPr lang="en-US" dirty="0"/>
           </a:p>
@@ -5570,7 +5566,7 @@
           <a:graphicData uri="http://schemas.openxmlformats.org/presentationml/2006/ole">
             <mc:AlternateContent xmlns:mc="http://schemas.openxmlformats.org/markup-compatibility/2006">
               <mc:Choice xmlns:v="urn:schemas-microsoft-com:vml" Requires="v">
-                <p:oleObj spid="_x0000_s1042" name="Document" r:id="rId3" imgW="6096000" imgH="4114800" progId="Word.Document.12">
+                <p:oleObj spid="_x0000_s1045" name="Document" r:id="rId3" imgW="6096000" imgH="4114800" progId="Word.Document.12">
                   <p:embed/>
                 </p:oleObj>
               </mc:Choice>
